--- a/KKBox Part 3 - Customer Lifetime Value Analysis/Assets/Visual Assests.pptx
+++ b/KKBox Part 3 - Customer Lifetime Value Analysis/Assets/Visual Assests.pptx
@@ -133,7 +133,7 @@
 <file path=ppt/revisionInfo.xml><?xml version="1.0" encoding="utf-8"?>
 <p1510:revInfo xmlns:a="http://schemas.openxmlformats.org/drawingml/2006/main" xmlns:r="http://schemas.openxmlformats.org/officeDocument/2006/relationships" xmlns:p1510="http://schemas.microsoft.com/office/powerpoint/2015/10/main">
   <p1510:revLst>
-    <p1510:client id="{947109C9-C5AE-4CD8-A8B0-E8A485505C32}" v="80" dt="2019-12-26T23:00:11.121"/>
+    <p1510:client id="{947109C9-C5AE-4CD8-A8B0-E8A485505C32}" v="81" dt="2020-01-10T20:15:40.013"/>
   </p1510:revLst>
 </p1510:revInfo>
 </file>
@@ -488,7 +488,7 @@
   <pc:docChgLst>
     <pc:chgData name="John Dango" userId="84ae54e972e39744" providerId="LiveId" clId="{947109C9-C5AE-4CD8-A8B0-E8A485505C32}"/>
     <pc:docChg chg="undo custSel addSld delSld modSld sldOrd">
-      <pc:chgData name="John Dango" userId="84ae54e972e39744" providerId="LiveId" clId="{947109C9-C5AE-4CD8-A8B0-E8A485505C32}" dt="2019-12-26T23:01:09.211" v="627" actId="1038"/>
+      <pc:chgData name="John Dango" userId="84ae54e972e39744" providerId="LiveId" clId="{947109C9-C5AE-4CD8-A8B0-E8A485505C32}" dt="2020-01-10T20:15:45.657" v="630" actId="1076"/>
       <pc:docMkLst>
         <pc:docMk/>
       </pc:docMkLst>
@@ -657,7 +657,7 @@
         </pc:spChg>
       </pc:sldChg>
       <pc:sldChg chg="addSp delSp modSp add">
-        <pc:chgData name="John Dango" userId="84ae54e972e39744" providerId="LiveId" clId="{947109C9-C5AE-4CD8-A8B0-E8A485505C32}" dt="2019-12-23T00:50:01.288" v="413" actId="1076"/>
+        <pc:chgData name="John Dango" userId="84ae54e972e39744" providerId="LiveId" clId="{947109C9-C5AE-4CD8-A8B0-E8A485505C32}" dt="2020-01-10T20:15:45.657" v="630" actId="1076"/>
         <pc:sldMkLst>
           <pc:docMk/>
           <pc:sldMk cId="1986073581" sldId="267"/>
@@ -670,8 +670,8 @@
             <ac:picMk id="2" creationId="{28664409-EC77-4DA5-9E09-7D82C6D0EC5C}"/>
           </ac:picMkLst>
         </pc:picChg>
-        <pc:picChg chg="add mod">
-          <ac:chgData name="John Dango" userId="84ae54e972e39744" providerId="LiveId" clId="{947109C9-C5AE-4CD8-A8B0-E8A485505C32}" dt="2019-12-23T00:50:01.288" v="413" actId="1076"/>
+        <pc:picChg chg="add del mod">
+          <ac:chgData name="John Dango" userId="84ae54e972e39744" providerId="LiveId" clId="{947109C9-C5AE-4CD8-A8B0-E8A485505C32}" dt="2020-01-10T20:15:39.202" v="628" actId="478"/>
           <ac:picMkLst>
             <pc:docMk/>
             <pc:sldMk cId="1986073581" sldId="267"/>
@@ -684,6 +684,14 @@
             <pc:docMk/>
             <pc:sldMk cId="1986073581" sldId="267"/>
             <ac:picMk id="3" creationId="{ACA8B88B-2293-4863-ACCD-0391B0B96C9A}"/>
+          </ac:picMkLst>
+        </pc:picChg>
+        <pc:picChg chg="add mod">
+          <ac:chgData name="John Dango" userId="84ae54e972e39744" providerId="LiveId" clId="{947109C9-C5AE-4CD8-A8B0-E8A485505C32}" dt="2020-01-10T20:15:45.657" v="630" actId="1076"/>
+          <ac:picMkLst>
+            <pc:docMk/>
+            <pc:sldMk cId="1986073581" sldId="267"/>
+            <ac:picMk id="4" creationId="{1ED28816-4ED7-465B-93C6-EB3DA9B8F711}"/>
           </ac:picMkLst>
         </pc:picChg>
         <pc:picChg chg="add mod">
@@ -1486,7 +1494,7 @@
           <a:p>
             <a:fld id="{1837A592-241F-4FC8-A02F-AF9AC4F6C93F}" type="datetimeFigureOut">
               <a:rPr lang="en-US" smtClean="0"/>
-              <a:t>12/26/2019</a:t>
+              <a:t>1/10/2020</a:t>
             </a:fld>
             <a:endParaRPr lang="en-US"/>
           </a:p>
@@ -1684,7 +1692,7 @@
           <a:p>
             <a:fld id="{1837A592-241F-4FC8-A02F-AF9AC4F6C93F}" type="datetimeFigureOut">
               <a:rPr lang="en-US" smtClean="0"/>
-              <a:t>12/26/2019</a:t>
+              <a:t>1/10/2020</a:t>
             </a:fld>
             <a:endParaRPr lang="en-US"/>
           </a:p>
@@ -1892,7 +1900,7 @@
           <a:p>
             <a:fld id="{1837A592-241F-4FC8-A02F-AF9AC4F6C93F}" type="datetimeFigureOut">
               <a:rPr lang="en-US" smtClean="0"/>
-              <a:t>12/26/2019</a:t>
+              <a:t>1/10/2020</a:t>
             </a:fld>
             <a:endParaRPr lang="en-US"/>
           </a:p>
@@ -2090,7 +2098,7 @@
           <a:p>
             <a:fld id="{1837A592-241F-4FC8-A02F-AF9AC4F6C93F}" type="datetimeFigureOut">
               <a:rPr lang="en-US" smtClean="0"/>
-              <a:t>12/26/2019</a:t>
+              <a:t>1/10/2020</a:t>
             </a:fld>
             <a:endParaRPr lang="en-US"/>
           </a:p>
@@ -2365,7 +2373,7 @@
           <a:p>
             <a:fld id="{1837A592-241F-4FC8-A02F-AF9AC4F6C93F}" type="datetimeFigureOut">
               <a:rPr lang="en-US" smtClean="0"/>
-              <a:t>12/26/2019</a:t>
+              <a:t>1/10/2020</a:t>
             </a:fld>
             <a:endParaRPr lang="en-US"/>
           </a:p>
@@ -2630,7 +2638,7 @@
           <a:p>
             <a:fld id="{1837A592-241F-4FC8-A02F-AF9AC4F6C93F}" type="datetimeFigureOut">
               <a:rPr lang="en-US" smtClean="0"/>
-              <a:t>12/26/2019</a:t>
+              <a:t>1/10/2020</a:t>
             </a:fld>
             <a:endParaRPr lang="en-US"/>
           </a:p>
@@ -3042,7 +3050,7 @@
           <a:p>
             <a:fld id="{1837A592-241F-4FC8-A02F-AF9AC4F6C93F}" type="datetimeFigureOut">
               <a:rPr lang="en-US" smtClean="0"/>
-              <a:t>12/26/2019</a:t>
+              <a:t>1/10/2020</a:t>
             </a:fld>
             <a:endParaRPr lang="en-US"/>
           </a:p>
@@ -3183,7 +3191,7 @@
           <a:p>
             <a:fld id="{1837A592-241F-4FC8-A02F-AF9AC4F6C93F}" type="datetimeFigureOut">
               <a:rPr lang="en-US" smtClean="0"/>
-              <a:t>12/26/2019</a:t>
+              <a:t>1/10/2020</a:t>
             </a:fld>
             <a:endParaRPr lang="en-US"/>
           </a:p>
@@ -3296,7 +3304,7 @@
           <a:p>
             <a:fld id="{1837A592-241F-4FC8-A02F-AF9AC4F6C93F}" type="datetimeFigureOut">
               <a:rPr lang="en-US" smtClean="0"/>
-              <a:t>12/26/2019</a:t>
+              <a:t>1/10/2020</a:t>
             </a:fld>
             <a:endParaRPr lang="en-US"/>
           </a:p>
@@ -3607,7 +3615,7 @@
           <a:p>
             <a:fld id="{1837A592-241F-4FC8-A02F-AF9AC4F6C93F}" type="datetimeFigureOut">
               <a:rPr lang="en-US" smtClean="0"/>
-              <a:t>12/26/2019</a:t>
+              <a:t>1/10/2020</a:t>
             </a:fld>
             <a:endParaRPr lang="en-US"/>
           </a:p>
@@ -3895,7 +3903,7 @@
           <a:p>
             <a:fld id="{1837A592-241F-4FC8-A02F-AF9AC4F6C93F}" type="datetimeFigureOut">
               <a:rPr lang="en-US" smtClean="0"/>
-              <a:t>12/26/2019</a:t>
+              <a:t>1/10/2020</a:t>
             </a:fld>
             <a:endParaRPr lang="en-US"/>
           </a:p>
@@ -4136,7 +4144,7 @@
           <a:p>
             <a:fld id="{1837A592-241F-4FC8-A02F-AF9AC4F6C93F}" type="datetimeFigureOut">
               <a:rPr lang="en-US" smtClean="0"/>
-              <a:t>12/26/2019</a:t>
+              <a:t>1/10/2020</a:t>
             </a:fld>
             <a:endParaRPr lang="en-US"/>
           </a:p>
@@ -4845,10 +4853,10 @@
       </p:pic>
       <p:pic>
         <p:nvPicPr>
-          <p:cNvPr id="2" name="Picture 1">
-            <a:extLst>
-              <a:ext uri="{FF2B5EF4-FFF2-40B4-BE49-F238E27FC236}">
-                <a16:creationId xmlns:a16="http://schemas.microsoft.com/office/drawing/2014/main" id="{6E815CF7-D3BF-49D1-8F79-7F0A4341E6F5}"/>
+          <p:cNvPr id="4" name="Picture 3">
+            <a:extLst>
+              <a:ext uri="{FF2B5EF4-FFF2-40B4-BE49-F238E27FC236}">
+                <a16:creationId xmlns:a16="http://schemas.microsoft.com/office/drawing/2014/main" id="{1ED28816-4ED7-465B-93C6-EB3DA9B8F711}"/>
               </a:ext>
             </a:extLst>
           </p:cNvPr>
@@ -4865,8 +4873,8 @@
         </p:blipFill>
         <p:spPr>
           <a:xfrm>
-            <a:off x="3344540" y="1936159"/>
-            <a:ext cx="5420481" cy="4772691"/>
+            <a:off x="3327248" y="1972607"/>
+            <a:ext cx="5336470" cy="4885393"/>
           </a:xfrm>
           <a:prstGeom prst="rect">
             <a:avLst/>
